--- a/architecture/素材.pptx
+++ b/architecture/素材.pptx
@@ -288,7 +288,7 @@
           <a:p>
             <a:fld id="{E90ED720-0104-4369-84BC-D37694168613}" type="datetimeFigureOut">
               <a:rPr kumimoji="1" lang="ja-JP" altLang="en-US" smtClean="0"/>
-              <a:t>2015/1/21</a:t>
+              <a:t>2015/1/26</a:t>
             </a:fld>
             <a:endParaRPr kumimoji="1" lang="ja-JP" altLang="en-US"/>
           </a:p>
@@ -485,7 +485,7 @@
           <a:p>
             <a:fld id="{E90ED720-0104-4369-84BC-D37694168613}" type="datetimeFigureOut">
               <a:rPr kumimoji="1" lang="ja-JP" altLang="en-US" smtClean="0"/>
-              <a:t>2015/1/21</a:t>
+              <a:t>2015/1/26</a:t>
             </a:fld>
             <a:endParaRPr kumimoji="1" lang="ja-JP" altLang="en-US"/>
           </a:p>
@@ -692,7 +692,7 @@
           <a:p>
             <a:fld id="{E90ED720-0104-4369-84BC-D37694168613}" type="datetimeFigureOut">
               <a:rPr kumimoji="1" lang="ja-JP" altLang="en-US" smtClean="0"/>
-              <a:t>2015/1/21</a:t>
+              <a:t>2015/1/26</a:t>
             </a:fld>
             <a:endParaRPr kumimoji="1" lang="ja-JP" altLang="en-US"/>
           </a:p>
@@ -889,7 +889,7 @@
           <a:p>
             <a:fld id="{E90ED720-0104-4369-84BC-D37694168613}" type="datetimeFigureOut">
               <a:rPr kumimoji="1" lang="ja-JP" altLang="en-US" smtClean="0"/>
-              <a:t>2015/1/21</a:t>
+              <a:t>2015/1/26</a:t>
             </a:fld>
             <a:endParaRPr kumimoji="1" lang="ja-JP" altLang="en-US"/>
           </a:p>
@@ -1130,7 +1130,7 @@
           <a:p>
             <a:fld id="{E90ED720-0104-4369-84BC-D37694168613}" type="datetimeFigureOut">
               <a:rPr kumimoji="1" lang="ja-JP" altLang="en-US" smtClean="0"/>
-              <a:t>2015/1/21</a:t>
+              <a:t>2015/1/26</a:t>
             </a:fld>
             <a:endParaRPr kumimoji="1" lang="ja-JP" altLang="en-US"/>
           </a:p>
@@ -1477,7 +1477,7 @@
           <a:p>
             <a:fld id="{E90ED720-0104-4369-84BC-D37694168613}" type="datetimeFigureOut">
               <a:rPr kumimoji="1" lang="ja-JP" altLang="en-US" smtClean="0"/>
-              <a:t>2015/1/21</a:t>
+              <a:t>2015/1/26</a:t>
             </a:fld>
             <a:endParaRPr kumimoji="1" lang="ja-JP" altLang="en-US"/>
           </a:p>
@@ -1958,7 +1958,7 @@
           <a:p>
             <a:fld id="{E90ED720-0104-4369-84BC-D37694168613}" type="datetimeFigureOut">
               <a:rPr kumimoji="1" lang="ja-JP" altLang="en-US" smtClean="0"/>
-              <a:t>2015/1/21</a:t>
+              <a:t>2015/1/26</a:t>
             </a:fld>
             <a:endParaRPr kumimoji="1" lang="ja-JP" altLang="en-US"/>
           </a:p>
@@ -2071,7 +2071,7 @@
           <a:p>
             <a:fld id="{E90ED720-0104-4369-84BC-D37694168613}" type="datetimeFigureOut">
               <a:rPr kumimoji="1" lang="ja-JP" altLang="en-US" smtClean="0"/>
-              <a:t>2015/1/21</a:t>
+              <a:t>2015/1/26</a:t>
             </a:fld>
             <a:endParaRPr kumimoji="1" lang="ja-JP" altLang="en-US"/>
           </a:p>
@@ -2161,7 +2161,7 @@
           <a:p>
             <a:fld id="{E90ED720-0104-4369-84BC-D37694168613}" type="datetimeFigureOut">
               <a:rPr kumimoji="1" lang="ja-JP" altLang="en-US" smtClean="0"/>
-              <a:t>2015/1/21</a:t>
+              <a:t>2015/1/26</a:t>
             </a:fld>
             <a:endParaRPr kumimoji="1" lang="ja-JP" altLang="en-US"/>
           </a:p>
@@ -2465,7 +2465,7 @@
           <a:p>
             <a:fld id="{E90ED720-0104-4369-84BC-D37694168613}" type="datetimeFigureOut">
               <a:rPr kumimoji="1" lang="ja-JP" altLang="en-US" smtClean="0"/>
-              <a:t>2015/1/21</a:t>
+              <a:t>2015/1/26</a:t>
             </a:fld>
             <a:endParaRPr kumimoji="1" lang="ja-JP" altLang="en-US"/>
           </a:p>
@@ -2713,7 +2713,7 @@
           <a:p>
             <a:fld id="{E90ED720-0104-4369-84BC-D37694168613}" type="datetimeFigureOut">
               <a:rPr kumimoji="1" lang="ja-JP" altLang="en-US" smtClean="0"/>
-              <a:t>2015/1/21</a:t>
+              <a:t>2015/1/26</a:t>
             </a:fld>
             <a:endParaRPr kumimoji="1" lang="ja-JP" altLang="en-US"/>
           </a:p>
@@ -2953,7 +2953,7 @@
           <a:p>
             <a:fld id="{E90ED720-0104-4369-84BC-D37694168613}" type="datetimeFigureOut">
               <a:rPr kumimoji="1" lang="ja-JP" altLang="en-US" smtClean="0"/>
-              <a:t>2015/1/21</a:t>
+              <a:t>2015/1/26</a:t>
             </a:fld>
             <a:endParaRPr kumimoji="1" lang="ja-JP" altLang="en-US"/>
           </a:p>
@@ -3424,7 +3424,7 @@
         <p:spPr>
           <a:xfrm>
             <a:off x="755576" y="404664"/>
-            <a:ext cx="7776864" cy="6120680"/>
+            <a:ext cx="7776864" cy="7056784"/>
           </a:xfrm>
           <a:prstGeom prst="roundRect">
             <a:avLst/>
@@ -3470,7 +3470,7 @@
         <p:spPr>
           <a:xfrm>
             <a:off x="3491880" y="2852936"/>
-            <a:ext cx="4752528" cy="2160240"/>
+            <a:ext cx="4752528" cy="3024336"/>
           </a:xfrm>
           <a:prstGeom prst="roundRect">
             <a:avLst/>
@@ -3516,7 +3516,7 @@
         <p:spPr>
           <a:xfrm>
             <a:off x="971600" y="2852936"/>
-            <a:ext cx="2448272" cy="2160240"/>
+            <a:ext cx="2448272" cy="3024336"/>
           </a:xfrm>
           <a:prstGeom prst="roundRect">
             <a:avLst/>
@@ -4654,7 +4654,7 @@
         </p:nvSpPr>
         <p:spPr>
           <a:xfrm>
-            <a:off x="1129502" y="5229200"/>
+            <a:off x="1129502" y="6098498"/>
             <a:ext cx="6964284" cy="432048"/>
           </a:xfrm>
           <a:prstGeom prst="rect">
@@ -4732,7 +4732,7 @@
         </p:nvSpPr>
         <p:spPr>
           <a:xfrm>
-            <a:off x="1115616" y="5800062"/>
+            <a:off x="1115616" y="6669360"/>
             <a:ext cx="6964284" cy="432048"/>
           </a:xfrm>
           <a:prstGeom prst="rect">
@@ -5285,6 +5285,282 @@
           <a:p>
             <a:pPr algn="ctr"/>
             <a:endParaRPr kumimoji="1" lang="ja-JP" altLang="en-US"/>
+          </a:p>
+        </p:txBody>
+      </p:sp>
+      <p:sp>
+        <p:nvSpPr>
+          <p:cNvPr id="33" name="正方形/長方形 32"/>
+          <p:cNvSpPr/>
+          <p:nvPr/>
+        </p:nvSpPr>
+        <p:spPr>
+          <a:xfrm>
+            <a:off x="3635896" y="4797152"/>
+            <a:ext cx="2160240" cy="432048"/>
+          </a:xfrm>
+          <a:prstGeom prst="rect">
+            <a:avLst/>
+          </a:prstGeom>
+          <a:gradFill>
+            <a:gsLst>
+              <a:gs pos="0">
+                <a:srgbClr val="FFC000"/>
+              </a:gs>
+              <a:gs pos="20000">
+                <a:schemeClr val="bg1"/>
+              </a:gs>
+              <a:gs pos="80000">
+                <a:schemeClr val="bg1"/>
+              </a:gs>
+              <a:gs pos="100000">
+                <a:srgbClr val="FFC000"/>
+              </a:gs>
+            </a:gsLst>
+            <a:lin ang="5400000" scaled="0"/>
+          </a:gradFill>
+        </p:spPr>
+        <p:style>
+          <a:lnRef idx="2">
+            <a:schemeClr val="accent1">
+              <a:shade val="50000"/>
+            </a:schemeClr>
+          </a:lnRef>
+          <a:fillRef idx="1">
+            <a:schemeClr val="accent1"/>
+          </a:fillRef>
+          <a:effectRef idx="0">
+            <a:schemeClr val="accent1"/>
+          </a:effectRef>
+          <a:fontRef idx="minor">
+            <a:schemeClr val="lt1"/>
+          </a:fontRef>
+        </p:style>
+        <p:txBody>
+          <a:bodyPr rtlCol="0" anchor="ctr"/>
+          <a:lstStyle/>
+          <a:p>
+            <a:pPr algn="ctr"/>
+            <a:r>
+              <a:rPr lang="ja-JP" altLang="en-US" sz="1600" dirty="0" smtClean="0">
+                <a:solidFill>
+                  <a:schemeClr val="tx1"/>
+                </a:solidFill>
+              </a:rPr>
+              <a:t>ビジネスロジック実行</a:t>
+            </a:r>
+            <a:endParaRPr kumimoji="1" lang="ja-JP" altLang="en-US" sz="1600" dirty="0">
+              <a:solidFill>
+                <a:schemeClr val="tx1"/>
+              </a:solidFill>
+            </a:endParaRPr>
+          </a:p>
+        </p:txBody>
+      </p:sp>
+      <p:sp>
+        <p:nvSpPr>
+          <p:cNvPr id="34" name="正方形/長方形 33"/>
+          <p:cNvSpPr/>
+          <p:nvPr/>
+        </p:nvSpPr>
+        <p:spPr>
+          <a:xfrm>
+            <a:off x="5940152" y="4788768"/>
+            <a:ext cx="2160240" cy="432048"/>
+          </a:xfrm>
+          <a:prstGeom prst="rect">
+            <a:avLst/>
+          </a:prstGeom>
+          <a:gradFill>
+            <a:gsLst>
+              <a:gs pos="0">
+                <a:srgbClr val="FFC000"/>
+              </a:gs>
+              <a:gs pos="20000">
+                <a:schemeClr val="bg1"/>
+              </a:gs>
+              <a:gs pos="80000">
+                <a:schemeClr val="bg1"/>
+              </a:gs>
+              <a:gs pos="100000">
+                <a:srgbClr val="FFC000"/>
+              </a:gs>
+            </a:gsLst>
+            <a:lin ang="5400000" scaled="0"/>
+          </a:gradFill>
+        </p:spPr>
+        <p:style>
+          <a:lnRef idx="2">
+            <a:schemeClr val="accent1">
+              <a:shade val="50000"/>
+            </a:schemeClr>
+          </a:lnRef>
+          <a:fillRef idx="1">
+            <a:schemeClr val="accent1"/>
+          </a:fillRef>
+          <a:effectRef idx="0">
+            <a:schemeClr val="accent1"/>
+          </a:effectRef>
+          <a:fontRef idx="minor">
+            <a:schemeClr val="lt1"/>
+          </a:fontRef>
+        </p:style>
+        <p:txBody>
+          <a:bodyPr rtlCol="0" anchor="ctr"/>
+          <a:lstStyle/>
+          <a:p>
+            <a:pPr algn="ctr"/>
+            <a:r>
+              <a:rPr kumimoji="1" lang="ja-JP" altLang="en-US" dirty="0" smtClean="0">
+                <a:solidFill>
+                  <a:schemeClr val="tx1"/>
+                </a:solidFill>
+              </a:rPr>
+              <a:t>メッセージ管理</a:t>
+            </a:r>
+            <a:endParaRPr kumimoji="1" lang="ja-JP" altLang="en-US" dirty="0">
+              <a:solidFill>
+                <a:schemeClr val="tx1"/>
+              </a:solidFill>
+            </a:endParaRPr>
+          </a:p>
+        </p:txBody>
+      </p:sp>
+      <p:sp>
+        <p:nvSpPr>
+          <p:cNvPr id="35" name="正方形/長方形 34"/>
+          <p:cNvSpPr/>
+          <p:nvPr/>
+        </p:nvSpPr>
+        <p:spPr>
+          <a:xfrm>
+            <a:off x="3635896" y="5301208"/>
+            <a:ext cx="2160240" cy="432048"/>
+          </a:xfrm>
+          <a:prstGeom prst="rect">
+            <a:avLst/>
+          </a:prstGeom>
+          <a:gradFill>
+            <a:gsLst>
+              <a:gs pos="0">
+                <a:srgbClr val="FFC000"/>
+              </a:gs>
+              <a:gs pos="20000">
+                <a:schemeClr val="bg1"/>
+              </a:gs>
+              <a:gs pos="80000">
+                <a:schemeClr val="bg1"/>
+              </a:gs>
+              <a:gs pos="100000">
+                <a:srgbClr val="FFC000"/>
+              </a:gs>
+            </a:gsLst>
+            <a:lin ang="5400000" scaled="0"/>
+          </a:gradFill>
+        </p:spPr>
+        <p:style>
+          <a:lnRef idx="2">
+            <a:schemeClr val="accent1">
+              <a:shade val="50000"/>
+            </a:schemeClr>
+          </a:lnRef>
+          <a:fillRef idx="1">
+            <a:schemeClr val="accent1"/>
+          </a:fillRef>
+          <a:effectRef idx="0">
+            <a:schemeClr val="accent1"/>
+          </a:effectRef>
+          <a:fontRef idx="minor">
+            <a:schemeClr val="lt1"/>
+          </a:fontRef>
+        </p:style>
+        <p:txBody>
+          <a:bodyPr rtlCol="0" anchor="ctr"/>
+          <a:lstStyle/>
+          <a:p>
+            <a:pPr algn="ctr"/>
+            <a:r>
+              <a:rPr lang="ja-JP" altLang="en-US" dirty="0" smtClean="0">
+                <a:solidFill>
+                  <a:schemeClr val="tx1"/>
+                </a:solidFill>
+              </a:rPr>
+              <a:t>例外ハンドリング</a:t>
+            </a:r>
+            <a:endParaRPr kumimoji="1" lang="ja-JP" altLang="en-US" dirty="0">
+              <a:solidFill>
+                <a:schemeClr val="tx1"/>
+              </a:solidFill>
+            </a:endParaRPr>
+          </a:p>
+        </p:txBody>
+      </p:sp>
+      <p:sp>
+        <p:nvSpPr>
+          <p:cNvPr id="42" name="正方形/長方形 41"/>
+          <p:cNvSpPr/>
+          <p:nvPr/>
+        </p:nvSpPr>
+        <p:spPr>
+          <a:xfrm>
+            <a:off x="5940152" y="5292824"/>
+            <a:ext cx="2160240" cy="432048"/>
+          </a:xfrm>
+          <a:prstGeom prst="rect">
+            <a:avLst/>
+          </a:prstGeom>
+          <a:gradFill>
+            <a:gsLst>
+              <a:gs pos="0">
+                <a:srgbClr val="FFC000"/>
+              </a:gs>
+              <a:gs pos="20000">
+                <a:schemeClr val="bg1"/>
+              </a:gs>
+              <a:gs pos="80000">
+                <a:schemeClr val="bg1"/>
+              </a:gs>
+              <a:gs pos="100000">
+                <a:srgbClr val="FFC000"/>
+              </a:gs>
+            </a:gsLst>
+            <a:lin ang="5400000" scaled="0"/>
+          </a:gradFill>
+        </p:spPr>
+        <p:style>
+          <a:lnRef idx="2">
+            <a:schemeClr val="accent1">
+              <a:shade val="50000"/>
+            </a:schemeClr>
+          </a:lnRef>
+          <a:fillRef idx="1">
+            <a:schemeClr val="accent1"/>
+          </a:fillRef>
+          <a:effectRef idx="0">
+            <a:schemeClr val="accent1"/>
+          </a:effectRef>
+          <a:fontRef idx="minor">
+            <a:schemeClr val="lt1"/>
+          </a:fontRef>
+        </p:style>
+        <p:txBody>
+          <a:bodyPr rtlCol="0" anchor="ctr"/>
+          <a:lstStyle/>
+          <a:p>
+            <a:pPr algn="ctr"/>
+            <a:r>
+              <a:rPr kumimoji="1" lang="ja-JP" altLang="en-US" dirty="0" smtClean="0">
+                <a:solidFill>
+                  <a:schemeClr val="tx1"/>
+                </a:solidFill>
+              </a:rPr>
+              <a:t>ファイル操作</a:t>
+            </a:r>
+            <a:endParaRPr kumimoji="1" lang="ja-JP" altLang="en-US" dirty="0">
+              <a:solidFill>
+                <a:schemeClr val="tx1"/>
+              </a:solidFill>
+            </a:endParaRPr>
           </a:p>
         </p:txBody>
       </p:sp>
